--- a/KOPO-Spring(윤교수님)/Spring과제/Spring4강PPT.pptx
+++ b/KOPO-Spring(윤교수님)/Spring과제/Spring4강PPT.pptx
@@ -11,11 +11,8 @@
     <p:sldId id="262" r:id="rId5"/>
     <p:sldId id="268" r:id="rId6"/>
     <p:sldId id="263" r:id="rId7"/>
-    <p:sldId id="269" r:id="rId8"/>
+    <p:sldId id="272" r:id="rId8"/>
     <p:sldId id="270" r:id="rId9"/>
-    <p:sldId id="271" r:id="rId10"/>
-    <p:sldId id="264" r:id="rId11"/>
-    <p:sldId id="265" r:id="rId12"/>
   </p:sldIdLst>
   <p:sldSz cx="12192000" cy="6858000"/>
   <p:notesSz cx="6858000" cy="9144000"/>
@@ -318,7 +315,7 @@
           <a:p>
             <a:fld id="{96DFF08F-DC6B-4601-B491-B0F83F6DD2DA}" type="datetimeFigureOut">
               <a:rPr lang="en-US" smtClean="0"/>
-              <a:t>7/17/2023</a:t>
+              <a:t>7/19/2023</a:t>
             </a:fld>
             <a:endParaRPr lang="en-US" dirty="0"/>
           </a:p>
@@ -539,7 +536,7 @@
           <a:p>
             <a:fld id="{96DFF08F-DC6B-4601-B491-B0F83F6DD2DA}" type="datetimeFigureOut">
               <a:rPr lang="en-US" smtClean="0"/>
-              <a:t>7/17/2023</a:t>
+              <a:t>7/19/2023</a:t>
             </a:fld>
             <a:endParaRPr lang="en-US" dirty="0"/>
           </a:p>
@@ -719,7 +716,7 @@
           <a:p>
             <a:fld id="{96DFF08F-DC6B-4601-B491-B0F83F6DD2DA}" type="datetimeFigureOut">
               <a:rPr lang="en-US" smtClean="0"/>
-              <a:t>7/17/2023</a:t>
+              <a:t>7/19/2023</a:t>
             </a:fld>
             <a:endParaRPr lang="en-US" dirty="0"/>
           </a:p>
@@ -889,7 +886,7 @@
           <a:p>
             <a:fld id="{96DFF08F-DC6B-4601-B491-B0F83F6DD2DA}" type="datetimeFigureOut">
               <a:rPr lang="en-US" smtClean="0"/>
-              <a:t>7/17/2023</a:t>
+              <a:t>7/19/2023</a:t>
             </a:fld>
             <a:endParaRPr lang="en-US" dirty="0"/>
           </a:p>
@@ -1140,7 +1137,7 @@
           <a:p>
             <a:fld id="{96DFF08F-DC6B-4601-B491-B0F83F6DD2DA}" type="datetimeFigureOut">
               <a:rPr lang="en-US" smtClean="0"/>
-              <a:t>7/17/2023</a:t>
+              <a:t>7/19/2023</a:t>
             </a:fld>
             <a:endParaRPr lang="en-US" dirty="0"/>
           </a:p>
@@ -1463,7 +1460,7 @@
           <a:p>
             <a:fld id="{96DFF08F-DC6B-4601-B491-B0F83F6DD2DA}" type="datetimeFigureOut">
               <a:rPr lang="en-US" smtClean="0"/>
-              <a:t>7/17/2023</a:t>
+              <a:t>7/19/2023</a:t>
             </a:fld>
             <a:endParaRPr lang="en-US" dirty="0"/>
           </a:p>
@@ -1887,7 +1884,7 @@
           <a:p>
             <a:fld id="{96DFF08F-DC6B-4601-B491-B0F83F6DD2DA}" type="datetimeFigureOut">
               <a:rPr lang="en-US" smtClean="0"/>
-              <a:t>7/17/2023</a:t>
+              <a:t>7/19/2023</a:t>
             </a:fld>
             <a:endParaRPr lang="en-US" dirty="0"/>
           </a:p>
@@ -2005,7 +2002,7 @@
           <a:p>
             <a:fld id="{96DFF08F-DC6B-4601-B491-B0F83F6DD2DA}" type="datetimeFigureOut">
               <a:rPr lang="en-US" smtClean="0"/>
-              <a:t>7/17/2023</a:t>
+              <a:t>7/19/2023</a:t>
             </a:fld>
             <a:endParaRPr lang="en-US" dirty="0"/>
           </a:p>
@@ -2100,7 +2097,7 @@
           <a:p>
             <a:fld id="{96DFF08F-DC6B-4601-B491-B0F83F6DD2DA}" type="datetimeFigureOut">
               <a:rPr lang="en-US" smtClean="0"/>
-              <a:t>7/17/2023</a:t>
+              <a:t>7/19/2023</a:t>
             </a:fld>
             <a:endParaRPr lang="en-US" dirty="0"/>
           </a:p>
@@ -2390,7 +2387,7 @@
           <a:p>
             <a:fld id="{96DFF08F-DC6B-4601-B491-B0F83F6DD2DA}" type="datetimeFigureOut">
               <a:rPr lang="en-US" smtClean="0"/>
-              <a:t>7/17/2023</a:t>
+              <a:t>7/19/2023</a:t>
             </a:fld>
             <a:endParaRPr lang="en-US" dirty="0"/>
           </a:p>
@@ -2662,7 +2659,7 @@
           <a:p>
             <a:fld id="{96DFF08F-DC6B-4601-B491-B0F83F6DD2DA}" type="datetimeFigureOut">
               <a:rPr lang="en-US" smtClean="0"/>
-              <a:t>7/17/2023</a:t>
+              <a:t>7/19/2023</a:t>
             </a:fld>
             <a:endParaRPr lang="en-US" dirty="0"/>
           </a:p>
@@ -2917,7 +2914,7 @@
             <a:fld id="{96DFF08F-DC6B-4601-B491-B0F83F6DD2DA}" type="datetimeFigureOut">
               <a:rPr lang="en-US" smtClean="0"/>
               <a:pPr/>
-              <a:t>7/17/2023</a:t>
+              <a:t>7/19/2023</a:t>
             </a:fld>
             <a:endParaRPr lang="en-US" dirty="0"/>
           </a:p>
@@ -3412,20 +3409,7 @@
                 </a:effectLst>
                 <a:latin typeface="+mj-ea"/>
               </a:rPr>
-              <a:t>Spring </a:t>
-            </a:r>
-            <a:r>
-              <a:rPr lang="en-US" altLang="ko-KR" dirty="0" smtClean="0">
-                <a:effectLst>
-                  <a:outerShdw blurRad="38100" dist="38100" dir="2700000" algn="tl">
-                    <a:srgbClr val="000000">
-                      <a:alpha val="43137"/>
-                    </a:srgbClr>
-                  </a:outerShdw>
-                </a:effectLst>
-                <a:latin typeface="+mj-ea"/>
-              </a:rPr>
-              <a:t>4</a:t>
+              <a:t>Spring 4</a:t>
             </a:r>
             <a:r>
               <a:rPr lang="ko-KR" altLang="en-US" dirty="0" smtClean="0">
@@ -3536,66 +3520,6 @@
     <p:extLst>
       <p:ext uri="{BB962C8B-B14F-4D97-AF65-F5344CB8AC3E}">
         <p14:creationId xmlns:p14="http://schemas.microsoft.com/office/powerpoint/2010/main" val="1537750370"/>
-      </p:ext>
-    </p:extLst>
-  </p:cSld>
-  <p:clrMapOvr>
-    <a:masterClrMapping/>
-  </p:clrMapOvr>
-</p:sld>
-</file>
-
-<file path=ppt/slides/slide10.xml><?xml version="1.0" encoding="utf-8"?>
-<p:sld xmlns:a="http://schemas.openxmlformats.org/drawingml/2006/main" xmlns:r="http://schemas.openxmlformats.org/officeDocument/2006/relationships" xmlns:p="http://schemas.openxmlformats.org/presentationml/2006/main">
-  <p:cSld>
-    <p:spTree>
-      <p:nvGrpSpPr>
-        <p:cNvPr id="1" name=""/>
-        <p:cNvGrpSpPr/>
-        <p:nvPr/>
-      </p:nvGrpSpPr>
-      <p:grpSpPr>
-        <a:xfrm>
-          <a:off x="0" y="0"/>
-          <a:ext cx="0" cy="0"/>
-          <a:chOff x="0" y="0"/>
-          <a:chExt cx="0" cy="0"/>
-        </a:xfrm>
-      </p:grpSpPr>
-    </p:spTree>
-    <p:extLst>
-      <p:ext uri="{BB962C8B-B14F-4D97-AF65-F5344CB8AC3E}">
-        <p14:creationId xmlns:p14="http://schemas.microsoft.com/office/powerpoint/2010/main" val="1265778368"/>
-      </p:ext>
-    </p:extLst>
-  </p:cSld>
-  <p:clrMapOvr>
-    <a:masterClrMapping/>
-  </p:clrMapOvr>
-</p:sld>
-</file>
-
-<file path=ppt/slides/slide11.xml><?xml version="1.0" encoding="utf-8"?>
-<p:sld xmlns:a="http://schemas.openxmlformats.org/drawingml/2006/main" xmlns:r="http://schemas.openxmlformats.org/officeDocument/2006/relationships" xmlns:p="http://schemas.openxmlformats.org/presentationml/2006/main">
-  <p:cSld>
-    <p:spTree>
-      <p:nvGrpSpPr>
-        <p:cNvPr id="1" name=""/>
-        <p:cNvGrpSpPr/>
-        <p:nvPr/>
-      </p:nvGrpSpPr>
-      <p:grpSpPr>
-        <a:xfrm>
-          <a:off x="0" y="0"/>
-          <a:ext cx="0" cy="0"/>
-          <a:chOff x="0" y="0"/>
-          <a:chExt cx="0" cy="0"/>
-        </a:xfrm>
-      </p:grpSpPr>
-    </p:spTree>
-    <p:extLst>
-      <p:ext uri="{BB962C8B-B14F-4D97-AF65-F5344CB8AC3E}">
-        <p14:creationId xmlns:p14="http://schemas.microsoft.com/office/powerpoint/2010/main" val="1274228118"/>
       </p:ext>
     </p:extLst>
   </p:cSld>
@@ -3646,6 +3570,328 @@
           </a:prstGeom>
         </p:spPr>
       </p:pic>
+      <p:sp>
+        <p:nvSpPr>
+          <p:cNvPr id="3" name="TextBox 2"/>
+          <p:cNvSpPr txBox="1"/>
+          <p:nvPr/>
+        </p:nvSpPr>
+        <p:spPr>
+          <a:xfrm>
+            <a:off x="5384800" y="449943"/>
+            <a:ext cx="6415314" cy="5909310"/>
+          </a:xfrm>
+          <a:prstGeom prst="rect">
+            <a:avLst/>
+          </a:prstGeom>
+          <a:noFill/>
+        </p:spPr>
+        <p:txBody>
+          <a:bodyPr wrap="square" rtlCol="0">
+            <a:spAutoFit/>
+          </a:bodyPr>
+          <a:lstStyle/>
+          <a:p>
+            <a:pPr marL="285750" indent="-285750">
+              <a:buFont typeface="Arial" panose="020B0604020202020204" pitchFamily="34" charset="0"/>
+              <a:buChar char="•"/>
+            </a:pPr>
+            <a:r>
+              <a:rPr lang="en-US" altLang="ko-KR" dirty="0" smtClean="0"/>
+              <a:t>Test </a:t>
+            </a:r>
+            <a:r>
+              <a:rPr lang="ko-KR" altLang="en-US" dirty="0" smtClean="0"/>
+              <a:t>추가 </a:t>
+            </a:r>
+            <a:endParaRPr lang="en-US" altLang="ko-KR" dirty="0"/>
+          </a:p>
+          <a:p>
+            <a:pPr marL="285750" indent="-285750">
+              <a:buFont typeface="Arial" panose="020B0604020202020204" pitchFamily="34" charset="0"/>
+              <a:buChar char="•"/>
+            </a:pPr>
+            <a:r>
+              <a:rPr lang="en-US" altLang="ko-KR" dirty="0" err="1" smtClean="0"/>
+              <a:t>src</a:t>
+            </a:r>
+            <a:r>
+              <a:rPr lang="en-US" altLang="ko-KR" dirty="0" smtClean="0"/>
+              <a:t>/text/java -&gt; </a:t>
+            </a:r>
+            <a:r>
+              <a:rPr lang="en-US" altLang="ko-KR" dirty="0" err="1" smtClean="0"/>
+              <a:t>SampleRepositoryTest</a:t>
+            </a:r>
+            <a:endParaRPr lang="en-US" altLang="ko-KR" dirty="0" smtClean="0"/>
+          </a:p>
+          <a:p>
+            <a:pPr marL="285750" indent="-285750">
+              <a:buFont typeface="Arial" panose="020B0604020202020204" pitchFamily="34" charset="0"/>
+              <a:buChar char="•"/>
+            </a:pPr>
+            <a:endParaRPr lang="en-US" altLang="ko-KR" dirty="0"/>
+          </a:p>
+          <a:p>
+            <a:pPr marL="285750" indent="-285750">
+              <a:lnSpc>
+                <a:spcPct val="150000"/>
+              </a:lnSpc>
+              <a:buFont typeface="Arial" panose="020B0604020202020204" pitchFamily="34" charset="0"/>
+              <a:buChar char="•"/>
+            </a:pPr>
+            <a:r>
+              <a:rPr lang="en-US" altLang="ko-KR" dirty="0" smtClean="0"/>
+              <a:t>@</a:t>
+            </a:r>
+            <a:r>
+              <a:rPr lang="en-US" altLang="ko-KR" dirty="0" err="1" smtClean="0"/>
+              <a:t>Autowired</a:t>
+            </a:r>
+            <a:r>
+              <a:rPr lang="en-US" altLang="ko-KR" dirty="0" smtClean="0"/>
+              <a:t>  </a:t>
+            </a:r>
+            <a:r>
+              <a:rPr lang="ko-KR" altLang="en-US" dirty="0" err="1" smtClean="0"/>
+              <a:t>싱글톤패턴으로</a:t>
+            </a:r>
+            <a:r>
+              <a:rPr lang="ko-KR" altLang="en-US" dirty="0" smtClean="0"/>
+              <a:t> </a:t>
+            </a:r>
+            <a:r>
+              <a:rPr lang="ko-KR" altLang="en-US" dirty="0"/>
+              <a:t>스프링의 의존성 주입</a:t>
+            </a:r>
+            <a:r>
+              <a:rPr lang="en-US" altLang="ko-KR" dirty="0"/>
+              <a:t>(Dependency Injection) </a:t>
+            </a:r>
+            <a:r>
+              <a:rPr lang="ko-KR" altLang="en-US" dirty="0"/>
+              <a:t>기능을 </a:t>
+            </a:r>
+            <a:r>
+              <a:rPr lang="ko-KR" altLang="en-US" dirty="0" smtClean="0"/>
+              <a:t>활성화</a:t>
+            </a:r>
+            <a:endParaRPr lang="en-US" altLang="ko-KR" dirty="0"/>
+          </a:p>
+          <a:p>
+            <a:pPr marL="285750" indent="-285750">
+              <a:lnSpc>
+                <a:spcPct val="150000"/>
+              </a:lnSpc>
+              <a:buFont typeface="Arial" panose="020B0604020202020204" pitchFamily="34" charset="0"/>
+              <a:buChar char="•"/>
+            </a:pPr>
+            <a:r>
+              <a:rPr lang="en-US" altLang="ko-KR" dirty="0"/>
+              <a:t>@</a:t>
+            </a:r>
+            <a:r>
+              <a:rPr lang="en-US" altLang="ko-KR" dirty="0" err="1"/>
+              <a:t>Autowired</a:t>
+            </a:r>
+            <a:r>
+              <a:rPr lang="en-US" altLang="ko-KR" dirty="0"/>
+              <a:t> </a:t>
+            </a:r>
+            <a:r>
+              <a:rPr lang="ko-KR" altLang="en-US" dirty="0"/>
+              <a:t>주석은 주로 필드</a:t>
+            </a:r>
+            <a:r>
+              <a:rPr lang="en-US" altLang="ko-KR" dirty="0"/>
+              <a:t>, </a:t>
+            </a:r>
+            <a:r>
+              <a:rPr lang="ko-KR" altLang="en-US" dirty="0" err="1"/>
+              <a:t>생성자</a:t>
+            </a:r>
+            <a:r>
+              <a:rPr lang="en-US" altLang="ko-KR" dirty="0"/>
+              <a:t>, Setter </a:t>
+            </a:r>
+            <a:r>
+              <a:rPr lang="ko-KR" altLang="en-US" dirty="0" err="1"/>
+              <a:t>메서드</a:t>
+            </a:r>
+            <a:r>
+              <a:rPr lang="ko-KR" altLang="en-US" dirty="0"/>
+              <a:t> 등에 </a:t>
+            </a:r>
+            <a:r>
+              <a:rPr lang="ko-KR" altLang="en-US" dirty="0" smtClean="0"/>
+              <a:t>사용</a:t>
+            </a:r>
+            <a:endParaRPr lang="en-US" altLang="ko-KR" dirty="0" smtClean="0"/>
+          </a:p>
+          <a:p>
+            <a:pPr marL="285750" indent="-285750">
+              <a:lnSpc>
+                <a:spcPct val="150000"/>
+              </a:lnSpc>
+              <a:buFont typeface="Arial" panose="020B0604020202020204" pitchFamily="34" charset="0"/>
+              <a:buChar char="•"/>
+            </a:pPr>
+            <a:r>
+              <a:rPr lang="en-US" altLang="ko-KR" dirty="0" smtClean="0"/>
+              <a:t>@</a:t>
+            </a:r>
+            <a:r>
+              <a:rPr lang="en-US" altLang="ko-KR" dirty="0"/>
+              <a:t>Before</a:t>
+            </a:r>
+            <a:r>
+              <a:rPr lang="ko-KR" altLang="en-US" dirty="0"/>
+              <a:t>는 </a:t>
+            </a:r>
+            <a:r>
+              <a:rPr lang="en-US" altLang="ko-KR" dirty="0"/>
+              <a:t>JUnit</a:t>
+            </a:r>
+            <a:r>
+              <a:rPr lang="ko-KR" altLang="en-US" dirty="0"/>
+              <a:t>과 같은 테스트 프레임워크에서 사용되는 </a:t>
+            </a:r>
+            <a:r>
+              <a:rPr lang="ko-KR" altLang="en-US" dirty="0" err="1"/>
+              <a:t>어노테이션</a:t>
+            </a:r>
+            <a:r>
+              <a:rPr lang="ko-KR" altLang="en-US" dirty="0"/>
+              <a:t> 중 하나입니다</a:t>
+            </a:r>
+            <a:r>
+              <a:rPr lang="en-US" altLang="ko-KR" dirty="0"/>
+              <a:t>. </a:t>
+            </a:r>
+            <a:r>
+              <a:rPr lang="ko-KR" altLang="en-US" dirty="0"/>
+              <a:t>이 </a:t>
+            </a:r>
+            <a:r>
+              <a:rPr lang="ko-KR" altLang="en-US" dirty="0" err="1"/>
+              <a:t>어노테이션은</a:t>
+            </a:r>
+            <a:r>
+              <a:rPr lang="ko-KR" altLang="en-US" dirty="0"/>
+              <a:t> 테스트 </a:t>
+            </a:r>
+            <a:r>
+              <a:rPr lang="ko-KR" altLang="en-US" dirty="0" err="1"/>
+              <a:t>메서드가</a:t>
+            </a:r>
+            <a:r>
+              <a:rPr lang="ko-KR" altLang="en-US" dirty="0"/>
+              <a:t> 실행되기 전에 특정한 동작을 수행하도록 지정할 때 </a:t>
+            </a:r>
+            <a:r>
+              <a:rPr lang="ko-KR" altLang="en-US" dirty="0" smtClean="0"/>
+              <a:t>사용</a:t>
+            </a:r>
+            <a:r>
+              <a:rPr lang="ko-KR" altLang="en-US" dirty="0"/>
+              <a:t> </a:t>
+            </a:r>
+            <a:endParaRPr lang="en-US" altLang="ko-KR" dirty="0" smtClean="0"/>
+          </a:p>
+          <a:p>
+            <a:pPr marL="285750" indent="-285750">
+              <a:lnSpc>
+                <a:spcPct val="150000"/>
+              </a:lnSpc>
+              <a:buFont typeface="Arial" panose="020B0604020202020204" pitchFamily="34" charset="0"/>
+              <a:buChar char="•"/>
+            </a:pPr>
+            <a:r>
+              <a:rPr lang="en-US" altLang="ko-KR" dirty="0" smtClean="0"/>
+              <a:t>@</a:t>
+            </a:r>
+            <a:r>
+              <a:rPr lang="en-US" altLang="ko-KR" dirty="0"/>
+              <a:t>Before </a:t>
+            </a:r>
+            <a:r>
+              <a:rPr lang="ko-KR" altLang="en-US" dirty="0" err="1"/>
+              <a:t>어노테이션을</a:t>
+            </a:r>
+            <a:r>
+              <a:rPr lang="ko-KR" altLang="en-US" dirty="0"/>
+              <a:t> 사용하여 </a:t>
+            </a:r>
+            <a:r>
+              <a:rPr lang="ko-KR" altLang="en-US" dirty="0" err="1"/>
+              <a:t>메서드를</a:t>
+            </a:r>
+            <a:r>
+              <a:rPr lang="ko-KR" altLang="en-US" dirty="0"/>
+              <a:t> 선언할 때</a:t>
+            </a:r>
+            <a:r>
+              <a:rPr lang="en-US" altLang="ko-KR" dirty="0"/>
+              <a:t>, </a:t>
+            </a:r>
+            <a:r>
+              <a:rPr lang="ko-KR" altLang="en-US" dirty="0"/>
+              <a:t>해당 </a:t>
+            </a:r>
+            <a:r>
+              <a:rPr lang="ko-KR" altLang="en-US" dirty="0" err="1"/>
+              <a:t>메서드는</a:t>
+            </a:r>
+            <a:r>
+              <a:rPr lang="ko-KR" altLang="en-US" dirty="0"/>
+              <a:t> 테스트 </a:t>
+            </a:r>
+            <a:r>
+              <a:rPr lang="ko-KR" altLang="en-US" dirty="0" err="1"/>
+              <a:t>메서드보다</a:t>
+            </a:r>
+            <a:r>
+              <a:rPr lang="ko-KR" altLang="en-US" dirty="0"/>
+              <a:t> 먼저 </a:t>
+            </a:r>
+            <a:r>
+              <a:rPr lang="ko-KR" altLang="en-US" dirty="0" smtClean="0"/>
+              <a:t>실행</a:t>
+            </a:r>
+            <a:endParaRPr lang="en-US" altLang="ko-KR" dirty="0" smtClean="0"/>
+          </a:p>
+          <a:p>
+            <a:pPr marL="285750" indent="-285750">
+              <a:lnSpc>
+                <a:spcPct val="150000"/>
+              </a:lnSpc>
+              <a:buFont typeface="Arial" panose="020B0604020202020204" pitchFamily="34" charset="0"/>
+              <a:buChar char="•"/>
+            </a:pPr>
+            <a:r>
+              <a:rPr lang="en-US" altLang="ko-KR" dirty="0"/>
+              <a:t>@Disabled</a:t>
+            </a:r>
+            <a:r>
+              <a:rPr lang="ko-KR" altLang="en-US" dirty="0" smtClean="0"/>
+              <a:t>는 </a:t>
+            </a:r>
+            <a:r>
+              <a:rPr lang="ko-KR" altLang="en-US" dirty="0"/>
+              <a:t>해당 테스트 </a:t>
+            </a:r>
+            <a:r>
+              <a:rPr lang="ko-KR" altLang="en-US" dirty="0" err="1"/>
+              <a:t>메서드나</a:t>
+            </a:r>
+            <a:r>
+              <a:rPr lang="ko-KR" altLang="en-US" dirty="0"/>
+              <a:t> 테스트 클래스를 비활성화하고 실행에서 제외할 때 사용</a:t>
+            </a:r>
+            <a:endParaRPr lang="ko-KR" altLang="en-US" dirty="0"/>
+          </a:p>
+        </p:txBody>
+      </p:sp>
     </p:spTree>
     <p:extLst>
       <p:ext uri="{BB962C8B-B14F-4D97-AF65-F5344CB8AC3E}">
@@ -3692,14 +3938,292 @@
         </p:blipFill>
         <p:spPr>
           <a:xfrm>
-            <a:off x="437676" y="394928"/>
-            <a:ext cx="6782747" cy="5153744"/>
+            <a:off x="336076" y="336870"/>
+            <a:ext cx="6968221" cy="5294673"/>
           </a:xfrm>
           <a:prstGeom prst="rect">
             <a:avLst/>
           </a:prstGeom>
         </p:spPr>
       </p:pic>
+      <p:sp>
+        <p:nvSpPr>
+          <p:cNvPr id="3" name="TextBox 2"/>
+          <p:cNvSpPr txBox="1"/>
+          <p:nvPr/>
+        </p:nvSpPr>
+        <p:spPr>
+          <a:xfrm>
+            <a:off x="7304297" y="325397"/>
+            <a:ext cx="4582903" cy="6047809"/>
+          </a:xfrm>
+          <a:prstGeom prst="rect">
+            <a:avLst/>
+          </a:prstGeom>
+          <a:noFill/>
+        </p:spPr>
+        <p:txBody>
+          <a:bodyPr wrap="square" rtlCol="0">
+            <a:spAutoFit/>
+          </a:bodyPr>
+          <a:lstStyle/>
+          <a:p>
+            <a:pPr marL="285750" indent="-285750">
+              <a:buFont typeface="Arial" panose="020B0604020202020204" pitchFamily="34" charset="0"/>
+              <a:buChar char="•"/>
+            </a:pPr>
+            <a:r>
+              <a:rPr lang="en-US" altLang="ko-KR" dirty="0" smtClean="0">
+                <a:latin typeface="+mn-ea"/>
+              </a:rPr>
+              <a:t>MVC Test </a:t>
+            </a:r>
+            <a:r>
+              <a:rPr lang="ko-KR" altLang="en-US" dirty="0" smtClean="0">
+                <a:latin typeface="+mn-ea"/>
+              </a:rPr>
+              <a:t>추가 </a:t>
+            </a:r>
+            <a:endParaRPr lang="en-US" altLang="ko-KR" dirty="0">
+              <a:latin typeface="+mn-ea"/>
+            </a:endParaRPr>
+          </a:p>
+          <a:p>
+            <a:pPr marL="285750" indent="-285750">
+              <a:buFont typeface="Arial" panose="020B0604020202020204" pitchFamily="34" charset="0"/>
+              <a:buChar char="•"/>
+            </a:pPr>
+            <a:r>
+              <a:rPr lang="en-US" altLang="ko-KR" dirty="0" err="1" smtClean="0">
+                <a:latin typeface="+mn-ea"/>
+              </a:rPr>
+              <a:t>src</a:t>
+            </a:r>
+            <a:r>
+              <a:rPr lang="en-US" altLang="ko-KR" dirty="0" smtClean="0">
+                <a:latin typeface="+mn-ea"/>
+              </a:rPr>
+              <a:t>/text/java -&gt; </a:t>
+            </a:r>
+            <a:r>
+              <a:rPr lang="en-US" altLang="ko-KR" dirty="0" err="1" smtClean="0">
+                <a:latin typeface="+mn-ea"/>
+              </a:rPr>
+              <a:t>SampleControllerTest</a:t>
+            </a:r>
+            <a:endParaRPr lang="en-US" altLang="ko-KR" dirty="0" smtClean="0">
+              <a:latin typeface="+mn-ea"/>
+            </a:endParaRPr>
+          </a:p>
+          <a:p>
+            <a:pPr marL="285750" indent="-285750">
+              <a:buFont typeface="Arial" panose="020B0604020202020204" pitchFamily="34" charset="0"/>
+              <a:buChar char="•"/>
+            </a:pPr>
+            <a:endParaRPr lang="en-US" altLang="ko-KR" dirty="0" smtClean="0">
+              <a:latin typeface="+mn-ea"/>
+            </a:endParaRPr>
+          </a:p>
+          <a:p>
+            <a:pPr marL="285750" indent="-285750">
+              <a:lnSpc>
+                <a:spcPct val="150000"/>
+              </a:lnSpc>
+              <a:buFont typeface="Arial" panose="020B0604020202020204" pitchFamily="34" charset="0"/>
+              <a:buChar char="•"/>
+            </a:pPr>
+            <a:r>
+              <a:rPr lang="en-US" altLang="ko-KR" dirty="0" smtClean="0">
+                <a:latin typeface="+mn-ea"/>
+              </a:rPr>
+              <a:t>@</a:t>
+            </a:r>
+            <a:r>
+              <a:rPr lang="en-US" altLang="ko-KR" dirty="0" err="1">
+                <a:latin typeface="+mn-ea"/>
+              </a:rPr>
+              <a:t>RunWith</a:t>
+            </a:r>
+            <a:r>
+              <a:rPr lang="ko-KR" altLang="en-US" dirty="0" smtClean="0">
+                <a:latin typeface="+mn-ea"/>
+              </a:rPr>
+              <a:t>는 </a:t>
+            </a:r>
+            <a:r>
+              <a:rPr lang="ko-KR" altLang="en-US" dirty="0">
+                <a:latin typeface="+mn-ea"/>
+              </a:rPr>
+              <a:t>단위 테스트 프레임워크로</a:t>
+            </a:r>
+            <a:r>
+              <a:rPr lang="en-US" altLang="ko-KR" dirty="0">
+                <a:latin typeface="+mn-ea"/>
+              </a:rPr>
+              <a:t>, </a:t>
+            </a:r>
+            <a:r>
+              <a:rPr lang="ko-KR" altLang="en-US" dirty="0">
+                <a:latin typeface="+mn-ea"/>
+              </a:rPr>
+              <a:t>소프트웨어의 각 부분을 개별적으로 테스트하여 코드의 품질을 개선하는 데 </a:t>
+            </a:r>
+            <a:r>
+              <a:rPr lang="ko-KR" altLang="en-US" dirty="0" smtClean="0">
+                <a:latin typeface="+mn-ea"/>
+              </a:rPr>
+              <a:t>도움</a:t>
+            </a:r>
+            <a:endParaRPr lang="en-US" altLang="ko-KR" dirty="0" smtClean="0">
+              <a:latin typeface="+mn-ea"/>
+            </a:endParaRPr>
+          </a:p>
+          <a:p>
+            <a:pPr marL="285750" indent="-285750">
+              <a:buFont typeface="Arial" panose="020B0604020202020204" pitchFamily="34" charset="0"/>
+              <a:buChar char="•"/>
+            </a:pPr>
+            <a:endParaRPr lang="en-US" altLang="ko-KR" dirty="0">
+              <a:latin typeface="+mn-ea"/>
+            </a:endParaRPr>
+          </a:p>
+          <a:p>
+            <a:pPr marL="285750" indent="-285750">
+              <a:lnSpc>
+                <a:spcPct val="150000"/>
+              </a:lnSpc>
+              <a:buFont typeface="Arial" panose="020B0604020202020204" pitchFamily="34" charset="0"/>
+              <a:buChar char="•"/>
+            </a:pPr>
+            <a:r>
+              <a:rPr lang="en-US" altLang="ko-KR" dirty="0"/>
+              <a:t>@</a:t>
+            </a:r>
+            <a:r>
+              <a:rPr lang="en-US" altLang="ko-KR" dirty="0" err="1"/>
+              <a:t>RunWith</a:t>
+            </a:r>
+            <a:r>
+              <a:rPr lang="en-US" altLang="ko-KR" dirty="0"/>
+              <a:t> </a:t>
+            </a:r>
+            <a:r>
+              <a:rPr lang="ko-KR" altLang="en-US" dirty="0" err="1"/>
+              <a:t>애노테이션은</a:t>
+            </a:r>
+            <a:r>
+              <a:rPr lang="ko-KR" altLang="en-US" dirty="0"/>
+              <a:t> </a:t>
+            </a:r>
+            <a:r>
+              <a:rPr lang="en-US" altLang="ko-KR" dirty="0"/>
+              <a:t>JUnit</a:t>
+            </a:r>
+            <a:r>
+              <a:rPr lang="ko-KR" altLang="en-US" dirty="0"/>
+              <a:t>에서 테스트 클래스의 실행 방식을 지정하는 데 </a:t>
+            </a:r>
+            <a:r>
+              <a:rPr lang="ko-KR" altLang="en-US" dirty="0" smtClean="0"/>
+              <a:t>사용</a:t>
+            </a:r>
+            <a:endParaRPr lang="en-US" altLang="ko-KR" dirty="0" smtClean="0"/>
+          </a:p>
+          <a:p>
+            <a:pPr marL="285750" indent="-285750">
+              <a:buFont typeface="Arial" panose="020B0604020202020204" pitchFamily="34" charset="0"/>
+              <a:buChar char="•"/>
+            </a:pPr>
+            <a:endParaRPr lang="en-US" altLang="ko-KR" dirty="0">
+              <a:latin typeface="+mn-ea"/>
+            </a:endParaRPr>
+          </a:p>
+          <a:p>
+            <a:pPr marL="285750" indent="-285750">
+              <a:lnSpc>
+                <a:spcPct val="150000"/>
+              </a:lnSpc>
+              <a:buFont typeface="Arial" panose="020B0604020202020204" pitchFamily="34" charset="0"/>
+              <a:buChar char="•"/>
+            </a:pPr>
+            <a:r>
+              <a:rPr lang="en-US" altLang="ko-KR" dirty="0"/>
+              <a:t>@</a:t>
+            </a:r>
+            <a:r>
+              <a:rPr lang="en-US" altLang="ko-KR" dirty="0" err="1"/>
+              <a:t>AutoConfigureMockMVC</a:t>
+            </a:r>
+            <a:r>
+              <a:rPr lang="ko-KR" altLang="en-US" dirty="0" smtClean="0"/>
+              <a:t>는 </a:t>
+            </a:r>
+            <a:r>
+              <a:rPr lang="en-US" altLang="ko-KR" dirty="0" err="1"/>
+              <a:t>MockMvc</a:t>
+            </a:r>
+            <a:r>
+              <a:rPr lang="ko-KR" altLang="en-US" dirty="0"/>
+              <a:t>를 자동으로 구성하고 주입하여 통합 테스트 시나리오에서 웹 애플리케이션의 </a:t>
+            </a:r>
+            <a:r>
+              <a:rPr lang="en-US" altLang="ko-KR" dirty="0"/>
+              <a:t>API</a:t>
+            </a:r>
+            <a:r>
+              <a:rPr lang="ko-KR" altLang="en-US" dirty="0"/>
+              <a:t>를 테스트하는 데 도움</a:t>
+            </a:r>
+            <a:endParaRPr lang="en-US" altLang="ko-KR" dirty="0">
+              <a:latin typeface="+mn-ea"/>
+            </a:endParaRPr>
+          </a:p>
+        </p:txBody>
+      </p:sp>
+      <p:sp>
+        <p:nvSpPr>
+          <p:cNvPr id="4" name="TextBox 3"/>
+          <p:cNvSpPr txBox="1"/>
+          <p:nvPr/>
+        </p:nvSpPr>
+        <p:spPr>
+          <a:xfrm>
+            <a:off x="336076" y="5817708"/>
+            <a:ext cx="6968221" cy="369332"/>
+          </a:xfrm>
+          <a:prstGeom prst="rect">
+            <a:avLst/>
+          </a:prstGeom>
+          <a:noFill/>
+        </p:spPr>
+        <p:txBody>
+          <a:bodyPr wrap="square" rtlCol="0">
+            <a:spAutoFit/>
+          </a:bodyPr>
+          <a:lstStyle/>
+          <a:p>
+            <a:pPr marL="285750" indent="-285750">
+              <a:buFont typeface="Arial" panose="020B0604020202020204" pitchFamily="34" charset="0"/>
+              <a:buChar char="•"/>
+            </a:pPr>
+            <a:r>
+              <a:rPr lang="en-US" altLang="ko-KR" dirty="0" smtClean="0">
+                <a:latin typeface="+mn-ea"/>
+              </a:rPr>
+              <a:t>sample1</a:t>
+            </a:r>
+            <a:r>
+              <a:rPr lang="ko-KR" altLang="en-US" dirty="0" smtClean="0">
+                <a:latin typeface="+mn-ea"/>
+              </a:rPr>
+              <a:t>에 대한 연결 테스트 진행</a:t>
+            </a:r>
+            <a:endParaRPr lang="ko-KR" altLang="en-US" dirty="0">
+              <a:latin typeface="+mn-ea"/>
+            </a:endParaRPr>
+          </a:p>
+        </p:txBody>
+      </p:sp>
     </p:spTree>
     <p:extLst>
       <p:ext uri="{BB962C8B-B14F-4D97-AF65-F5344CB8AC3E}">
@@ -3746,7 +4270,7 @@
         </p:blipFill>
         <p:spPr>
           <a:xfrm>
-            <a:off x="469315" y="386080"/>
+            <a:off x="340978" y="386080"/>
             <a:ext cx="5626685" cy="4922159"/>
           </a:xfrm>
           <a:prstGeom prst="rect">
@@ -3770,7 +4294,7 @@
         </p:blipFill>
         <p:spPr>
           <a:xfrm>
-            <a:off x="6096000" y="386080"/>
+            <a:off x="6128084" y="364751"/>
             <a:ext cx="5709920" cy="4943488"/>
           </a:xfrm>
           <a:prstGeom prst="rect">
@@ -3778,6 +4302,154 @@
           </a:prstGeom>
         </p:spPr>
       </p:pic>
+      <p:sp>
+        <p:nvSpPr>
+          <p:cNvPr id="4" name="TextBox 3"/>
+          <p:cNvSpPr txBox="1"/>
+          <p:nvPr/>
+        </p:nvSpPr>
+        <p:spPr>
+          <a:xfrm>
+            <a:off x="336076" y="5434531"/>
+            <a:ext cx="5631587" cy="923330"/>
+          </a:xfrm>
+          <a:prstGeom prst="rect">
+            <a:avLst/>
+          </a:prstGeom>
+          <a:noFill/>
+        </p:spPr>
+        <p:txBody>
+          <a:bodyPr wrap="square" rtlCol="0">
+            <a:spAutoFit/>
+          </a:bodyPr>
+          <a:lstStyle/>
+          <a:p>
+            <a:pPr marL="285750" indent="-285750">
+              <a:buFont typeface="Arial" panose="020B0604020202020204" pitchFamily="34" charset="0"/>
+              <a:buChar char="•"/>
+            </a:pPr>
+            <a:r>
+              <a:rPr lang="en-US" altLang="ko-KR" dirty="0" err="1" smtClean="0">
+                <a:latin typeface="+mn-ea"/>
+              </a:rPr>
+              <a:t>SampleControllerTest</a:t>
+            </a:r>
+            <a:endParaRPr lang="en-US" altLang="ko-KR" dirty="0" smtClean="0">
+              <a:latin typeface="+mn-ea"/>
+            </a:endParaRPr>
+          </a:p>
+          <a:p>
+            <a:pPr marL="285750" indent="-285750">
+              <a:buFont typeface="Arial" panose="020B0604020202020204" pitchFamily="34" charset="0"/>
+              <a:buChar char="•"/>
+            </a:pPr>
+            <a:endParaRPr lang="en-US" altLang="ko-KR" dirty="0">
+              <a:latin typeface="+mn-ea"/>
+            </a:endParaRPr>
+          </a:p>
+          <a:p>
+            <a:pPr marL="285750" indent="-285750">
+              <a:buFont typeface="Arial" panose="020B0604020202020204" pitchFamily="34" charset="0"/>
+              <a:buChar char="•"/>
+            </a:pPr>
+            <a:r>
+              <a:rPr lang="en-US" altLang="ko-KR" dirty="0" smtClean="0">
+                <a:latin typeface="+mn-ea"/>
+              </a:rPr>
+              <a:t>sample1</a:t>
+            </a:r>
+            <a:r>
+              <a:rPr lang="ko-KR" altLang="en-US" dirty="0" smtClean="0">
+                <a:latin typeface="+mn-ea"/>
+              </a:rPr>
+              <a:t>연결 </a:t>
+            </a:r>
+            <a:r>
+              <a:rPr lang="en-US" altLang="ko-KR" dirty="0" smtClean="0">
+                <a:latin typeface="+mn-ea"/>
+              </a:rPr>
+              <a:t>JUnit Test</a:t>
+            </a:r>
+            <a:r>
+              <a:rPr lang="ko-KR" altLang="en-US" dirty="0" smtClean="0">
+                <a:latin typeface="+mn-ea"/>
+              </a:rPr>
+              <a:t> 통과 확인</a:t>
+            </a:r>
+            <a:endParaRPr lang="ko-KR" altLang="en-US" dirty="0">
+              <a:latin typeface="+mn-ea"/>
+            </a:endParaRPr>
+          </a:p>
+        </p:txBody>
+      </p:sp>
+      <p:sp>
+        <p:nvSpPr>
+          <p:cNvPr id="5" name="TextBox 4"/>
+          <p:cNvSpPr txBox="1"/>
+          <p:nvPr/>
+        </p:nvSpPr>
+        <p:spPr>
+          <a:xfrm>
+            <a:off x="6128084" y="5434531"/>
+            <a:ext cx="5631587" cy="923330"/>
+          </a:xfrm>
+          <a:prstGeom prst="rect">
+            <a:avLst/>
+          </a:prstGeom>
+          <a:noFill/>
+        </p:spPr>
+        <p:txBody>
+          <a:bodyPr wrap="square" rtlCol="0">
+            <a:spAutoFit/>
+          </a:bodyPr>
+          <a:lstStyle/>
+          <a:p>
+            <a:pPr marL="285750" indent="-285750">
+              <a:buFont typeface="Arial" panose="020B0604020202020204" pitchFamily="34" charset="0"/>
+              <a:buChar char="•"/>
+            </a:pPr>
+            <a:r>
+              <a:rPr lang="en-US" altLang="ko-KR" dirty="0" err="1" smtClean="0">
+                <a:latin typeface="+mn-ea"/>
+              </a:rPr>
+              <a:t>SampleRepositoryTest</a:t>
+            </a:r>
+            <a:endParaRPr lang="en-US" altLang="ko-KR" dirty="0" smtClean="0">
+              <a:latin typeface="+mn-ea"/>
+            </a:endParaRPr>
+          </a:p>
+          <a:p>
+            <a:pPr marL="285750" indent="-285750">
+              <a:buFont typeface="Arial" panose="020B0604020202020204" pitchFamily="34" charset="0"/>
+              <a:buChar char="•"/>
+            </a:pPr>
+            <a:endParaRPr lang="en-US" altLang="ko-KR" dirty="0">
+              <a:latin typeface="+mn-ea"/>
+            </a:endParaRPr>
+          </a:p>
+          <a:p>
+            <a:pPr marL="285750" indent="-285750">
+              <a:buFont typeface="Arial" panose="020B0604020202020204" pitchFamily="34" charset="0"/>
+              <a:buChar char="•"/>
+            </a:pPr>
+            <a:r>
+              <a:rPr lang="en-US" altLang="ko-KR" dirty="0" smtClean="0">
+                <a:latin typeface="+mn-ea"/>
+              </a:rPr>
+              <a:t>JUnit Test</a:t>
+            </a:r>
+            <a:r>
+              <a:rPr lang="ko-KR" altLang="en-US" dirty="0" smtClean="0">
+                <a:latin typeface="+mn-ea"/>
+              </a:rPr>
+              <a:t> 통과 확인</a:t>
+            </a:r>
+            <a:endParaRPr lang="ko-KR" altLang="en-US" dirty="0">
+              <a:latin typeface="+mn-ea"/>
+            </a:endParaRPr>
+          </a:p>
+        </p:txBody>
+      </p:sp>
     </p:spTree>
     <p:extLst>
       <p:ext uri="{BB962C8B-B14F-4D97-AF65-F5344CB8AC3E}">
@@ -3856,6 +4528,198 @@
           </a:prstGeom>
         </p:spPr>
       </p:pic>
+      <p:sp>
+        <p:nvSpPr>
+          <p:cNvPr id="4" name="TextBox 3"/>
+          <p:cNvSpPr txBox="1"/>
+          <p:nvPr/>
+        </p:nvSpPr>
+        <p:spPr>
+          <a:xfrm>
+            <a:off x="412217" y="4142422"/>
+            <a:ext cx="5631587" cy="1477328"/>
+          </a:xfrm>
+          <a:prstGeom prst="rect">
+            <a:avLst/>
+          </a:prstGeom>
+          <a:noFill/>
+        </p:spPr>
+        <p:txBody>
+          <a:bodyPr wrap="square" rtlCol="0">
+            <a:spAutoFit/>
+          </a:bodyPr>
+          <a:lstStyle/>
+          <a:p>
+            <a:pPr marL="285750" indent="-285750">
+              <a:buFont typeface="Arial" panose="020B0604020202020204" pitchFamily="34" charset="0"/>
+              <a:buChar char="•"/>
+            </a:pPr>
+            <a:r>
+              <a:rPr lang="en-US" altLang="ko-KR" dirty="0" smtClean="0">
+                <a:latin typeface="+mn-ea"/>
+              </a:rPr>
+              <a:t>pom.xml plugin </a:t>
+            </a:r>
+            <a:r>
+              <a:rPr lang="ko-KR" altLang="en-US" dirty="0" smtClean="0">
+                <a:latin typeface="+mn-ea"/>
+              </a:rPr>
+              <a:t>추가 </a:t>
+            </a:r>
+            <a:endParaRPr lang="en-US" altLang="ko-KR" dirty="0" smtClean="0">
+              <a:latin typeface="+mn-ea"/>
+            </a:endParaRPr>
+          </a:p>
+          <a:p>
+            <a:pPr marL="285750" indent="-285750">
+              <a:buFont typeface="Arial" panose="020B0604020202020204" pitchFamily="34" charset="0"/>
+              <a:buChar char="•"/>
+            </a:pPr>
+            <a:endParaRPr lang="en-US" altLang="ko-KR" dirty="0">
+              <a:latin typeface="+mn-ea"/>
+            </a:endParaRPr>
+          </a:p>
+          <a:p>
+            <a:pPr marL="285750" indent="-285750">
+              <a:buFont typeface="Arial" panose="020B0604020202020204" pitchFamily="34" charset="0"/>
+              <a:buChar char="•"/>
+            </a:pPr>
+            <a:r>
+              <a:rPr lang="en-US" altLang="ko-KR" dirty="0" smtClean="0">
+                <a:latin typeface="+mn-ea"/>
+              </a:rPr>
+              <a:t>project / build / plugins </a:t>
+            </a:r>
+            <a:r>
+              <a:rPr lang="ko-KR" altLang="en-US" dirty="0" smtClean="0">
+                <a:latin typeface="+mn-ea"/>
+              </a:rPr>
+              <a:t>아래</a:t>
+            </a:r>
+            <a:endParaRPr lang="en-US" altLang="ko-KR" dirty="0" smtClean="0">
+              <a:latin typeface="+mn-ea"/>
+            </a:endParaRPr>
+          </a:p>
+          <a:p>
+            <a:pPr marL="285750" indent="-285750">
+              <a:buFont typeface="Arial" panose="020B0604020202020204" pitchFamily="34" charset="0"/>
+              <a:buChar char="•"/>
+            </a:pPr>
+            <a:endParaRPr lang="en-US" altLang="ko-KR" dirty="0">
+              <a:latin typeface="+mn-ea"/>
+            </a:endParaRPr>
+          </a:p>
+          <a:p>
+            <a:pPr marL="285750" indent="-285750">
+              <a:buFont typeface="Arial" panose="020B0604020202020204" pitchFamily="34" charset="0"/>
+              <a:buChar char="•"/>
+            </a:pPr>
+            <a:r>
+              <a:rPr lang="en-US" altLang="ko-KR" dirty="0" err="1" smtClean="0">
+                <a:latin typeface="+mn-ea"/>
+              </a:rPr>
+              <a:t>jacoco</a:t>
+            </a:r>
+            <a:r>
+              <a:rPr lang="en-US" altLang="ko-KR" dirty="0" smtClean="0">
+                <a:latin typeface="+mn-ea"/>
+              </a:rPr>
+              <a:t> ~ </a:t>
+            </a:r>
+            <a:r>
+              <a:rPr lang="ko-KR" altLang="en-US" dirty="0" smtClean="0">
+                <a:latin typeface="+mn-ea"/>
+              </a:rPr>
+              <a:t>부분 추가 </a:t>
+            </a:r>
+            <a:endParaRPr lang="ko-KR" altLang="en-US" dirty="0">
+              <a:latin typeface="+mn-ea"/>
+            </a:endParaRPr>
+          </a:p>
+        </p:txBody>
+      </p:sp>
+      <p:sp>
+        <p:nvSpPr>
+          <p:cNvPr id="5" name="모서리가 둥근 직사각형 4"/>
+          <p:cNvSpPr/>
+          <p:nvPr/>
+        </p:nvSpPr>
+        <p:spPr>
+          <a:xfrm>
+            <a:off x="6400800" y="1503947"/>
+            <a:ext cx="5450730" cy="3392906"/>
+          </a:xfrm>
+          <a:prstGeom prst="roundRect">
+            <a:avLst/>
+          </a:prstGeom>
+          <a:noFill/>
+          <a:ln w="28575">
+            <a:solidFill>
+              <a:schemeClr val="accent2"/>
+            </a:solidFill>
+          </a:ln>
+        </p:spPr>
+        <p:style>
+          <a:lnRef idx="2">
+            <a:schemeClr val="accent1">
+              <a:shade val="50000"/>
+            </a:schemeClr>
+          </a:lnRef>
+          <a:fillRef idx="1">
+            <a:schemeClr val="accent1"/>
+          </a:fillRef>
+          <a:effectRef idx="0">
+            <a:schemeClr val="accent1"/>
+          </a:effectRef>
+          <a:fontRef idx="minor">
+            <a:schemeClr val="lt1"/>
+          </a:fontRef>
+        </p:style>
+        <p:txBody>
+          <a:bodyPr rtlCol="0" anchor="ctr"/>
+          <a:lstStyle/>
+          <a:p>
+            <a:pPr algn="ctr"/>
+            <a:endParaRPr lang="ko-KR" altLang="en-US"/>
+          </a:p>
+        </p:txBody>
+      </p:sp>
+      <p:cxnSp>
+        <p:nvCxnSpPr>
+          <p:cNvPr id="7" name="직선 화살표 연결선 6"/>
+          <p:cNvCxnSpPr/>
+          <p:nvPr/>
+        </p:nvCxnSpPr>
+        <p:spPr>
+          <a:xfrm flipV="1">
+            <a:off x="3200400" y="3633537"/>
+            <a:ext cx="3092116" cy="685800"/>
+          </a:xfrm>
+          <a:prstGeom prst="straightConnector1">
+            <a:avLst/>
+          </a:prstGeom>
+          <a:ln w="28575">
+            <a:solidFill>
+              <a:schemeClr val="accent2"/>
+            </a:solidFill>
+            <a:tailEnd type="triangle"/>
+          </a:ln>
+        </p:spPr>
+        <p:style>
+          <a:lnRef idx="1">
+            <a:schemeClr val="accent1"/>
+          </a:lnRef>
+          <a:fillRef idx="0">
+            <a:schemeClr val="accent1"/>
+          </a:fillRef>
+          <a:effectRef idx="0">
+            <a:schemeClr val="accent1"/>
+          </a:effectRef>
+          <a:fontRef idx="minor">
+            <a:schemeClr val="tx1"/>
+          </a:fontRef>
+        </p:style>
+      </p:cxnSp>
     </p:spTree>
     <p:extLst>
       <p:ext uri="{BB962C8B-B14F-4D97-AF65-F5344CB8AC3E}">
@@ -3943,7 +4807,7 @@
         <p:spPr>
           <a:xfrm>
             <a:off x="5276850" y="609600"/>
-            <a:ext cx="6572250" cy="923330"/>
+            <a:ext cx="6572250" cy="2585323"/>
           </a:xfrm>
           <a:prstGeom prst="rect">
             <a:avLst/>
@@ -3961,6 +4825,30 @@
               <a:buChar char="•"/>
             </a:pPr>
             <a:r>
+              <a:rPr lang="ko-KR" altLang="en-US" dirty="0" smtClean="0">
+                <a:latin typeface="+mn-ea"/>
+              </a:rPr>
+              <a:t>기능 오류 발생으로 버전 수정</a:t>
+            </a:r>
+            <a:endParaRPr lang="en-US" altLang="ko-KR" dirty="0" smtClean="0">
+              <a:latin typeface="+mn-ea"/>
+            </a:endParaRPr>
+          </a:p>
+          <a:p>
+            <a:pPr marL="285750" indent="-285750">
+              <a:buFont typeface="Arial" panose="020B0604020202020204" pitchFamily="34" charset="0"/>
+              <a:buChar char="•"/>
+            </a:pPr>
+            <a:endParaRPr lang="en-US" altLang="ko-KR" dirty="0">
+              <a:latin typeface="+mn-ea"/>
+            </a:endParaRPr>
+          </a:p>
+          <a:p>
+            <a:pPr marL="285750" indent="-285750">
+              <a:buFont typeface="Arial" panose="020B0604020202020204" pitchFamily="34" charset="0"/>
+              <a:buChar char="•"/>
+            </a:pPr>
+            <a:r>
               <a:rPr lang="en-US" altLang="ko-KR" dirty="0" smtClean="0">
                 <a:latin typeface="+mn-ea"/>
               </a:rPr>
@@ -3982,7 +4870,13 @@
               <a:rPr lang="ko-KR" altLang="en-US" dirty="0" smtClean="0">
                 <a:latin typeface="+mn-ea"/>
               </a:rPr>
-              <a:t>로 다운</a:t>
+              <a:t>로 </a:t>
+            </a:r>
+            <a:r>
+              <a:rPr lang="en-US" altLang="ko-KR" dirty="0" smtClean="0">
+                <a:latin typeface="+mn-ea"/>
+              </a:rPr>
+              <a:t>down</a:t>
             </a:r>
             <a:endParaRPr lang="en-US" altLang="ko-KR" dirty="0" smtClean="0">
               <a:latin typeface="+mn-ea"/>
@@ -4024,14 +4918,299 @@
               <a:rPr lang="ko-KR" altLang="en-US" dirty="0" smtClean="0">
                 <a:latin typeface="+mn-ea"/>
               </a:rPr>
-              <a:t>로 업</a:t>
-            </a:r>
+              <a:t>로 </a:t>
+            </a:r>
+            <a:r>
+              <a:rPr lang="en-US" altLang="ko-KR" dirty="0" smtClean="0">
+                <a:latin typeface="+mn-ea"/>
+              </a:rPr>
+              <a:t>up</a:t>
+            </a:r>
+          </a:p>
+          <a:p>
+            <a:pPr marL="285750" indent="-285750">
+              <a:buFont typeface="Arial" panose="020B0604020202020204" pitchFamily="34" charset="0"/>
+              <a:buChar char="•"/>
+            </a:pPr>
+            <a:endParaRPr lang="en-US" altLang="ko-KR" dirty="0">
+              <a:latin typeface="+mn-ea"/>
+            </a:endParaRPr>
+          </a:p>
+          <a:p>
+            <a:pPr marL="285750" indent="-285750">
+              <a:buFont typeface="Arial" panose="020B0604020202020204" pitchFamily="34" charset="0"/>
+              <a:buChar char="•"/>
+            </a:pPr>
+            <a:r>
+              <a:rPr lang="en-US" altLang="ko-KR" dirty="0" smtClean="0">
+                <a:latin typeface="+mn-ea"/>
+              </a:rPr>
+              <a:t>project </a:t>
+            </a:r>
+            <a:r>
+              <a:rPr lang="ko-KR" altLang="en-US" dirty="0" err="1" smtClean="0">
+                <a:latin typeface="+mn-ea"/>
+              </a:rPr>
+              <a:t>우클릭</a:t>
+            </a:r>
+            <a:r>
+              <a:rPr lang="ko-KR" altLang="en-US" dirty="0" smtClean="0">
+                <a:latin typeface="+mn-ea"/>
+              </a:rPr>
+              <a:t> </a:t>
+            </a:r>
+            <a:r>
+              <a:rPr lang="en-US" altLang="ko-KR" dirty="0" smtClean="0">
+                <a:latin typeface="+mn-ea"/>
+              </a:rPr>
+              <a:t>-&gt; Run As -&gt; Maven Test </a:t>
+            </a:r>
+            <a:r>
+              <a:rPr lang="ko-KR" altLang="en-US" dirty="0">
+                <a:latin typeface="+mn-ea"/>
+              </a:rPr>
+              <a:t> </a:t>
+            </a:r>
+            <a:r>
+              <a:rPr lang="ko-KR" altLang="en-US" dirty="0" smtClean="0">
+                <a:latin typeface="+mn-ea"/>
+              </a:rPr>
+              <a:t>클릭</a:t>
+            </a:r>
+            <a:endParaRPr lang="en-US" altLang="ko-KR" dirty="0" smtClean="0">
+              <a:latin typeface="+mn-ea"/>
+            </a:endParaRPr>
+          </a:p>
+          <a:p>
+            <a:pPr marL="285750" indent="-285750">
+              <a:buFont typeface="Arial" panose="020B0604020202020204" pitchFamily="34" charset="0"/>
+              <a:buChar char="•"/>
+            </a:pPr>
+            <a:endParaRPr lang="en-US" altLang="ko-KR" dirty="0">
+              <a:latin typeface="+mn-ea"/>
+            </a:endParaRPr>
+          </a:p>
+          <a:p>
+            <a:pPr marL="285750" indent="-285750">
+              <a:buFont typeface="Arial" panose="020B0604020202020204" pitchFamily="34" charset="0"/>
+              <a:buChar char="•"/>
+            </a:pPr>
             <a:endParaRPr lang="ko-KR" altLang="en-US" dirty="0">
               <a:latin typeface="+mn-ea"/>
             </a:endParaRPr>
           </a:p>
         </p:txBody>
       </p:sp>
+      <p:sp>
+        <p:nvSpPr>
+          <p:cNvPr id="5" name="모서리가 둥근 직사각형 4"/>
+          <p:cNvSpPr/>
+          <p:nvPr/>
+        </p:nvSpPr>
+        <p:spPr>
+          <a:xfrm>
+            <a:off x="505326" y="609600"/>
+            <a:ext cx="2153653" cy="196516"/>
+          </a:xfrm>
+          <a:prstGeom prst="roundRect">
+            <a:avLst/>
+          </a:prstGeom>
+          <a:noFill/>
+          <a:ln w="28575">
+            <a:solidFill>
+              <a:schemeClr val="accent2"/>
+            </a:solidFill>
+          </a:ln>
+        </p:spPr>
+        <p:style>
+          <a:lnRef idx="2">
+            <a:schemeClr val="accent1">
+              <a:shade val="50000"/>
+            </a:schemeClr>
+          </a:lnRef>
+          <a:fillRef idx="1">
+            <a:schemeClr val="accent1"/>
+          </a:fillRef>
+          <a:effectRef idx="0">
+            <a:schemeClr val="accent1"/>
+          </a:effectRef>
+          <a:fontRef idx="minor">
+            <a:schemeClr val="lt1"/>
+          </a:fontRef>
+        </p:style>
+        <p:txBody>
+          <a:bodyPr rtlCol="0" anchor="ctr"/>
+          <a:lstStyle/>
+          <a:p>
+            <a:pPr algn="ctr"/>
+            <a:endParaRPr lang="ko-KR" altLang="en-US"/>
+          </a:p>
+        </p:txBody>
+      </p:sp>
+      <p:sp>
+        <p:nvSpPr>
+          <p:cNvPr id="6" name="모서리가 둥근 직사각형 5"/>
+          <p:cNvSpPr/>
+          <p:nvPr/>
+        </p:nvSpPr>
+        <p:spPr>
+          <a:xfrm>
+            <a:off x="2658979" y="4463715"/>
+            <a:ext cx="2153653" cy="200527"/>
+          </a:xfrm>
+          <a:prstGeom prst="roundRect">
+            <a:avLst/>
+          </a:prstGeom>
+          <a:noFill/>
+          <a:ln w="28575">
+            <a:solidFill>
+              <a:schemeClr val="accent2"/>
+            </a:solidFill>
+          </a:ln>
+        </p:spPr>
+        <p:style>
+          <a:lnRef idx="2">
+            <a:schemeClr val="accent1">
+              <a:shade val="50000"/>
+            </a:schemeClr>
+          </a:lnRef>
+          <a:fillRef idx="1">
+            <a:schemeClr val="accent1"/>
+          </a:fillRef>
+          <a:effectRef idx="0">
+            <a:schemeClr val="accent1"/>
+          </a:effectRef>
+          <a:fontRef idx="minor">
+            <a:schemeClr val="lt1"/>
+          </a:fontRef>
+        </p:style>
+        <p:txBody>
+          <a:bodyPr rtlCol="0" anchor="ctr"/>
+          <a:lstStyle/>
+          <a:p>
+            <a:pPr algn="ctr"/>
+            <a:endParaRPr lang="ko-KR" altLang="en-US"/>
+          </a:p>
+        </p:txBody>
+      </p:sp>
+      <p:sp>
+        <p:nvSpPr>
+          <p:cNvPr id="7" name="모서리가 둥근 직사각형 6"/>
+          <p:cNvSpPr/>
+          <p:nvPr/>
+        </p:nvSpPr>
+        <p:spPr>
+          <a:xfrm>
+            <a:off x="5067300" y="5638799"/>
+            <a:ext cx="2153653" cy="200527"/>
+          </a:xfrm>
+          <a:prstGeom prst="roundRect">
+            <a:avLst/>
+          </a:prstGeom>
+          <a:noFill/>
+          <a:ln w="28575">
+            <a:solidFill>
+              <a:schemeClr val="accent2"/>
+            </a:solidFill>
+          </a:ln>
+        </p:spPr>
+        <p:style>
+          <a:lnRef idx="2">
+            <a:schemeClr val="accent1">
+              <a:shade val="50000"/>
+            </a:schemeClr>
+          </a:lnRef>
+          <a:fillRef idx="1">
+            <a:schemeClr val="accent1"/>
+          </a:fillRef>
+          <a:effectRef idx="0">
+            <a:schemeClr val="accent1"/>
+          </a:effectRef>
+          <a:fontRef idx="minor">
+            <a:schemeClr val="lt1"/>
+          </a:fontRef>
+        </p:style>
+        <p:txBody>
+          <a:bodyPr rtlCol="0" anchor="ctr"/>
+          <a:lstStyle/>
+          <a:p>
+            <a:pPr algn="ctr"/>
+            <a:endParaRPr lang="ko-KR" altLang="en-US"/>
+          </a:p>
+        </p:txBody>
+      </p:sp>
+      <p:cxnSp>
+        <p:nvCxnSpPr>
+          <p:cNvPr id="9" name="직선 화살표 연결선 8"/>
+          <p:cNvCxnSpPr/>
+          <p:nvPr/>
+        </p:nvCxnSpPr>
+        <p:spPr>
+          <a:xfrm>
+            <a:off x="2430379" y="806116"/>
+            <a:ext cx="250619" cy="3581535"/>
+          </a:xfrm>
+          <a:prstGeom prst="straightConnector1">
+            <a:avLst/>
+          </a:prstGeom>
+          <a:ln w="28575">
+            <a:solidFill>
+              <a:schemeClr val="accent2"/>
+            </a:solidFill>
+            <a:tailEnd type="triangle"/>
+          </a:ln>
+        </p:spPr>
+        <p:style>
+          <a:lnRef idx="1">
+            <a:schemeClr val="accent1"/>
+          </a:lnRef>
+          <a:fillRef idx="0">
+            <a:schemeClr val="accent1"/>
+          </a:fillRef>
+          <a:effectRef idx="0">
+            <a:schemeClr val="accent1"/>
+          </a:effectRef>
+          <a:fontRef idx="minor">
+            <a:schemeClr val="tx1"/>
+          </a:fontRef>
+        </p:style>
+      </p:cxnSp>
+      <p:cxnSp>
+        <p:nvCxnSpPr>
+          <p:cNvPr id="10" name="직선 화살표 연결선 9"/>
+          <p:cNvCxnSpPr/>
+          <p:nvPr/>
+        </p:nvCxnSpPr>
+        <p:spPr>
+          <a:xfrm>
+            <a:off x="4562013" y="4679136"/>
+            <a:ext cx="484753" cy="902832"/>
+          </a:xfrm>
+          <a:prstGeom prst="straightConnector1">
+            <a:avLst/>
+          </a:prstGeom>
+          <a:ln w="28575">
+            <a:solidFill>
+              <a:schemeClr val="accent2"/>
+            </a:solidFill>
+            <a:tailEnd type="triangle"/>
+          </a:ln>
+        </p:spPr>
+        <p:style>
+          <a:lnRef idx="1">
+            <a:schemeClr val="accent1"/>
+          </a:lnRef>
+          <a:fillRef idx="0">
+            <a:schemeClr val="accent1"/>
+          </a:fillRef>
+          <a:effectRef idx="0">
+            <a:schemeClr val="accent1"/>
+          </a:effectRef>
+          <a:fontRef idx="minor">
+            <a:schemeClr val="tx1"/>
+          </a:fontRef>
+        </p:style>
+      </p:cxnSp>
     </p:spTree>
     <p:extLst>
       <p:ext uri="{BB962C8B-B14F-4D97-AF65-F5344CB8AC3E}">
@@ -4064,7 +5243,7 @@
       </p:grpSpPr>
       <p:pic>
         <p:nvPicPr>
-          <p:cNvPr id="4" name="그림 3"/>
+          <p:cNvPr id="2" name="그림 1"/>
           <p:cNvPicPr>
             <a:picLocks noChangeAspect="1"/>
           </p:cNvPicPr>
@@ -4078,18 +5257,612 @@
         </p:blipFill>
         <p:spPr>
           <a:xfrm>
-            <a:off x="347081" y="418837"/>
-            <a:ext cx="8335538" cy="3772426"/>
+            <a:off x="320371" y="344638"/>
+            <a:ext cx="5117903" cy="6184777"/>
           </a:xfrm>
           <a:prstGeom prst="rect">
             <a:avLst/>
           </a:prstGeom>
         </p:spPr>
       </p:pic>
+      <p:sp>
+        <p:nvSpPr>
+          <p:cNvPr id="3" name="TextBox 2"/>
+          <p:cNvSpPr txBox="1"/>
+          <p:nvPr/>
+        </p:nvSpPr>
+        <p:spPr>
+          <a:xfrm>
+            <a:off x="5438274" y="440891"/>
+            <a:ext cx="6400800" cy="1200329"/>
+          </a:xfrm>
+          <a:prstGeom prst="rect">
+            <a:avLst/>
+          </a:prstGeom>
+          <a:noFill/>
+        </p:spPr>
+        <p:txBody>
+          <a:bodyPr wrap="square" rtlCol="0">
+            <a:spAutoFit/>
+          </a:bodyPr>
+          <a:lstStyle/>
+          <a:p>
+            <a:pPr marL="285750" indent="-285750">
+              <a:buFont typeface="Arial" panose="020B0604020202020204" pitchFamily="34" charset="0"/>
+              <a:buChar char="•"/>
+            </a:pPr>
+            <a:r>
+              <a:rPr lang="en-US" altLang="ko-KR" dirty="0" smtClean="0">
+                <a:latin typeface="+mn-ea"/>
+              </a:rPr>
+              <a:t>target </a:t>
+            </a:r>
+            <a:r>
+              <a:rPr lang="ko-KR" altLang="en-US" dirty="0" smtClean="0">
+                <a:latin typeface="+mn-ea"/>
+              </a:rPr>
+              <a:t>폴더 하위</a:t>
+            </a:r>
+            <a:endParaRPr lang="en-US" altLang="ko-KR" dirty="0" smtClean="0">
+              <a:latin typeface="+mn-ea"/>
+            </a:endParaRPr>
+          </a:p>
+          <a:p>
+            <a:pPr marL="285750" indent="-285750">
+              <a:buFont typeface="Arial" panose="020B0604020202020204" pitchFamily="34" charset="0"/>
+              <a:buChar char="•"/>
+            </a:pPr>
+            <a:endParaRPr lang="en-US" altLang="ko-KR" dirty="0">
+              <a:latin typeface="+mn-ea"/>
+            </a:endParaRPr>
+          </a:p>
+          <a:p>
+            <a:pPr marL="285750" indent="-285750">
+              <a:buFont typeface="Arial" panose="020B0604020202020204" pitchFamily="34" charset="0"/>
+              <a:buChar char="•"/>
+            </a:pPr>
+            <a:r>
+              <a:rPr lang="en-US" altLang="ko-KR" dirty="0" smtClean="0">
+                <a:latin typeface="+mn-ea"/>
+              </a:rPr>
+              <a:t>site -&gt; </a:t>
+            </a:r>
+            <a:r>
+              <a:rPr lang="en-US" altLang="ko-KR" dirty="0" err="1" smtClean="0">
+                <a:latin typeface="+mn-ea"/>
+              </a:rPr>
+              <a:t>jacoco</a:t>
+            </a:r>
+            <a:r>
+              <a:rPr lang="en-US" altLang="ko-KR" dirty="0" smtClean="0">
+                <a:latin typeface="+mn-ea"/>
+              </a:rPr>
+              <a:t> </a:t>
+            </a:r>
+            <a:r>
+              <a:rPr lang="ko-KR" altLang="en-US" dirty="0" smtClean="0">
+                <a:latin typeface="+mn-ea"/>
+              </a:rPr>
+              <a:t>생성 확인</a:t>
+            </a:r>
+            <a:endParaRPr lang="en-US" altLang="ko-KR" dirty="0">
+              <a:latin typeface="+mn-ea"/>
+            </a:endParaRPr>
+          </a:p>
+          <a:p>
+            <a:pPr marL="285750" indent="-285750">
+              <a:buFont typeface="Arial" panose="020B0604020202020204" pitchFamily="34" charset="0"/>
+              <a:buChar char="•"/>
+            </a:pPr>
+            <a:endParaRPr lang="ko-KR" altLang="en-US" dirty="0">
+              <a:latin typeface="+mn-ea"/>
+            </a:endParaRPr>
+          </a:p>
+        </p:txBody>
+      </p:sp>
+      <p:sp>
+        <p:nvSpPr>
+          <p:cNvPr id="4" name="모서리가 둥근 직사각형 3"/>
+          <p:cNvSpPr/>
+          <p:nvPr/>
+        </p:nvSpPr>
+        <p:spPr>
+          <a:xfrm>
+            <a:off x="531396" y="681788"/>
+            <a:ext cx="1369594" cy="280738"/>
+          </a:xfrm>
+          <a:prstGeom prst="roundRect">
+            <a:avLst/>
+          </a:prstGeom>
+          <a:noFill/>
+          <a:ln w="28575">
+            <a:solidFill>
+              <a:schemeClr val="accent2"/>
+            </a:solidFill>
+          </a:ln>
+        </p:spPr>
+        <p:style>
+          <a:lnRef idx="2">
+            <a:schemeClr val="accent1">
+              <a:shade val="50000"/>
+            </a:schemeClr>
+          </a:lnRef>
+          <a:fillRef idx="1">
+            <a:schemeClr val="accent1"/>
+          </a:fillRef>
+          <a:effectRef idx="0">
+            <a:schemeClr val="accent1"/>
+          </a:effectRef>
+          <a:fontRef idx="minor">
+            <a:schemeClr val="lt1"/>
+          </a:fontRef>
+        </p:style>
+        <p:txBody>
+          <a:bodyPr rtlCol="0" anchor="ctr"/>
+          <a:lstStyle/>
+          <a:p>
+            <a:pPr algn="ctr"/>
+            <a:endParaRPr lang="ko-KR" altLang="en-US"/>
+          </a:p>
+        </p:txBody>
+      </p:sp>
+      <p:sp>
+        <p:nvSpPr>
+          <p:cNvPr id="5" name="모서리가 둥근 직사각형 4"/>
+          <p:cNvSpPr/>
+          <p:nvPr/>
+        </p:nvSpPr>
+        <p:spPr>
+          <a:xfrm>
+            <a:off x="852238" y="2049376"/>
+            <a:ext cx="1048752" cy="296781"/>
+          </a:xfrm>
+          <a:prstGeom prst="roundRect">
+            <a:avLst/>
+          </a:prstGeom>
+          <a:noFill/>
+          <a:ln w="28575">
+            <a:solidFill>
+              <a:schemeClr val="accent2"/>
+            </a:solidFill>
+          </a:ln>
+        </p:spPr>
+        <p:style>
+          <a:lnRef idx="2">
+            <a:schemeClr val="accent1">
+              <a:shade val="50000"/>
+            </a:schemeClr>
+          </a:lnRef>
+          <a:fillRef idx="1">
+            <a:schemeClr val="accent1"/>
+          </a:fillRef>
+          <a:effectRef idx="0">
+            <a:schemeClr val="accent1"/>
+          </a:effectRef>
+          <a:fontRef idx="minor">
+            <a:schemeClr val="lt1"/>
+          </a:fontRef>
+        </p:style>
+        <p:txBody>
+          <a:bodyPr rtlCol="0" anchor="ctr"/>
+          <a:lstStyle/>
+          <a:p>
+            <a:pPr algn="ctr"/>
+            <a:endParaRPr lang="ko-KR" altLang="en-US"/>
+          </a:p>
+        </p:txBody>
+      </p:sp>
+      <p:cxnSp>
+        <p:nvCxnSpPr>
+          <p:cNvPr id="6" name="직선 화살표 연결선 5"/>
+          <p:cNvCxnSpPr/>
+          <p:nvPr/>
+        </p:nvCxnSpPr>
+        <p:spPr>
+          <a:xfrm>
+            <a:off x="852238" y="962526"/>
+            <a:ext cx="86225" cy="986590"/>
+          </a:xfrm>
+          <a:prstGeom prst="straightConnector1">
+            <a:avLst/>
+          </a:prstGeom>
+          <a:ln w="28575">
+            <a:solidFill>
+              <a:schemeClr val="accent2"/>
+            </a:solidFill>
+            <a:tailEnd type="triangle"/>
+          </a:ln>
+        </p:spPr>
+        <p:style>
+          <a:lnRef idx="1">
+            <a:schemeClr val="accent1"/>
+          </a:lnRef>
+          <a:fillRef idx="0">
+            <a:schemeClr val="accent1"/>
+          </a:fillRef>
+          <a:effectRef idx="0">
+            <a:schemeClr val="accent1"/>
+          </a:effectRef>
+          <a:fontRef idx="minor">
+            <a:schemeClr val="tx1"/>
+          </a:fontRef>
+        </p:style>
+      </p:cxnSp>
+      <p:pic>
+        <p:nvPicPr>
+          <p:cNvPr id="8" name="그림 7"/>
+          <p:cNvPicPr>
+            <a:picLocks noChangeAspect="1"/>
+          </p:cNvPicPr>
+          <p:nvPr/>
+        </p:nvPicPr>
+        <p:blipFill>
+          <a:blip r:embed="rId3"/>
+          <a:stretch>
+            <a:fillRect/>
+          </a:stretch>
+        </p:blipFill>
+        <p:spPr>
+          <a:xfrm>
+            <a:off x="5778287" y="1641220"/>
+            <a:ext cx="5720773" cy="2589058"/>
+          </a:xfrm>
+          <a:prstGeom prst="rect">
+            <a:avLst/>
+          </a:prstGeom>
+        </p:spPr>
+      </p:pic>
+      <p:sp>
+        <p:nvSpPr>
+          <p:cNvPr id="9" name="TextBox 8"/>
+          <p:cNvSpPr txBox="1"/>
+          <p:nvPr/>
+        </p:nvSpPr>
+        <p:spPr>
+          <a:xfrm>
+            <a:off x="5438274" y="4230278"/>
+            <a:ext cx="6400800" cy="1754326"/>
+          </a:xfrm>
+          <a:prstGeom prst="rect">
+            <a:avLst/>
+          </a:prstGeom>
+          <a:noFill/>
+        </p:spPr>
+        <p:txBody>
+          <a:bodyPr wrap="square" rtlCol="0">
+            <a:spAutoFit/>
+          </a:bodyPr>
+          <a:lstStyle/>
+          <a:p>
+            <a:pPr marL="285750" indent="-285750">
+              <a:lnSpc>
+                <a:spcPct val="150000"/>
+              </a:lnSpc>
+              <a:buFont typeface="Arial" panose="020B0604020202020204" pitchFamily="34" charset="0"/>
+              <a:buChar char="•"/>
+            </a:pPr>
+            <a:r>
+              <a:rPr lang="en-US" altLang="ko-KR" dirty="0" err="1" smtClean="0">
+                <a:latin typeface="+mn-ea"/>
+              </a:rPr>
+              <a:t>jacoco</a:t>
+            </a:r>
+            <a:r>
+              <a:rPr lang="en-US" altLang="ko-KR" dirty="0" smtClean="0">
+                <a:latin typeface="+mn-ea"/>
+              </a:rPr>
+              <a:t> </a:t>
+            </a:r>
+            <a:r>
+              <a:rPr lang="ko-KR" altLang="en-US" dirty="0" smtClean="0">
+                <a:latin typeface="+mn-ea"/>
+              </a:rPr>
+              <a:t>하위  </a:t>
+            </a:r>
+            <a:r>
+              <a:rPr lang="en-US" altLang="ko-KR" dirty="0" err="1" smtClean="0">
+                <a:latin typeface="+mn-ea"/>
+              </a:rPr>
+              <a:t>board.web</a:t>
+            </a:r>
+            <a:r>
+              <a:rPr lang="en-US" altLang="ko-KR" dirty="0" smtClean="0">
+                <a:latin typeface="+mn-ea"/>
+              </a:rPr>
+              <a:t> -&gt; index.html </a:t>
+            </a:r>
+            <a:r>
+              <a:rPr lang="ko-KR" altLang="en-US" dirty="0" smtClean="0">
+                <a:latin typeface="+mn-ea"/>
+              </a:rPr>
+              <a:t>폴더경로를 통해 접속하여 확인한 </a:t>
+            </a:r>
+            <a:r>
+              <a:rPr lang="en-US" altLang="ko-KR" dirty="0" smtClean="0">
+                <a:latin typeface="+mn-ea"/>
+              </a:rPr>
+              <a:t>JUnit Test</a:t>
+            </a:r>
+            <a:r>
+              <a:rPr lang="ko-KR" altLang="en-US" dirty="0" smtClean="0">
+                <a:latin typeface="+mn-ea"/>
+              </a:rPr>
+              <a:t> 웹 화면 출력 모습</a:t>
+            </a:r>
+            <a:endParaRPr lang="en-US" altLang="ko-KR" dirty="0" smtClean="0">
+              <a:latin typeface="+mn-ea"/>
+            </a:endParaRPr>
+          </a:p>
+          <a:p>
+            <a:pPr marL="285750" indent="-285750">
+              <a:lnSpc>
+                <a:spcPct val="150000"/>
+              </a:lnSpc>
+              <a:buFont typeface="Arial" panose="020B0604020202020204" pitchFamily="34" charset="0"/>
+              <a:buChar char="•"/>
+            </a:pPr>
+            <a:endParaRPr lang="en-US" altLang="ko-KR" dirty="0">
+              <a:latin typeface="+mn-ea"/>
+            </a:endParaRPr>
+          </a:p>
+          <a:p>
+            <a:pPr marL="285750" indent="-285750">
+              <a:lnSpc>
+                <a:spcPct val="150000"/>
+              </a:lnSpc>
+              <a:buFont typeface="Arial" panose="020B0604020202020204" pitchFamily="34" charset="0"/>
+              <a:buChar char="•"/>
+            </a:pPr>
+            <a:r>
+              <a:rPr lang="en-US" altLang="ko-KR" dirty="0" smtClean="0">
+                <a:latin typeface="+mn-ea"/>
+              </a:rPr>
+              <a:t>Web Test 100% </a:t>
+            </a:r>
+            <a:r>
+              <a:rPr lang="ko-KR" altLang="en-US" dirty="0" smtClean="0">
+                <a:latin typeface="+mn-ea"/>
+              </a:rPr>
+              <a:t>통과</a:t>
+            </a:r>
+            <a:r>
+              <a:rPr lang="ko-KR" altLang="en-US" dirty="0">
+                <a:latin typeface="+mn-ea"/>
+              </a:rPr>
+              <a:t>를</a:t>
+            </a:r>
+            <a:r>
+              <a:rPr lang="ko-KR" altLang="en-US" dirty="0" smtClean="0">
+                <a:latin typeface="+mn-ea"/>
+              </a:rPr>
+              <a:t> 확인 하였다</a:t>
+            </a:r>
+            <a:r>
+              <a:rPr lang="en-US" altLang="ko-KR" dirty="0" smtClean="0">
+                <a:latin typeface="+mn-ea"/>
+              </a:rPr>
+              <a:t>.</a:t>
+            </a:r>
+            <a:endParaRPr lang="ko-KR" altLang="en-US" dirty="0">
+              <a:latin typeface="+mn-ea"/>
+            </a:endParaRPr>
+          </a:p>
+        </p:txBody>
+      </p:sp>
+      <p:sp>
+        <p:nvSpPr>
+          <p:cNvPr id="10" name="모서리가 둥근 직사각형 9"/>
+          <p:cNvSpPr/>
+          <p:nvPr/>
+        </p:nvSpPr>
+        <p:spPr>
+          <a:xfrm>
+            <a:off x="6396348" y="1640679"/>
+            <a:ext cx="3209302" cy="272946"/>
+          </a:xfrm>
+          <a:prstGeom prst="roundRect">
+            <a:avLst/>
+          </a:prstGeom>
+          <a:noFill/>
+          <a:ln w="28575">
+            <a:solidFill>
+              <a:schemeClr val="accent2"/>
+            </a:solidFill>
+          </a:ln>
+        </p:spPr>
+        <p:style>
+          <a:lnRef idx="2">
+            <a:schemeClr val="accent1">
+              <a:shade val="50000"/>
+            </a:schemeClr>
+          </a:lnRef>
+          <a:fillRef idx="1">
+            <a:schemeClr val="accent1"/>
+          </a:fillRef>
+          <a:effectRef idx="0">
+            <a:schemeClr val="accent1"/>
+          </a:effectRef>
+          <a:fontRef idx="minor">
+            <a:schemeClr val="lt1"/>
+          </a:fontRef>
+        </p:style>
+        <p:txBody>
+          <a:bodyPr rtlCol="0" anchor="ctr"/>
+          <a:lstStyle/>
+          <a:p>
+            <a:pPr algn="ctr"/>
+            <a:endParaRPr lang="ko-KR" altLang="en-US"/>
+          </a:p>
+        </p:txBody>
+      </p:sp>
+      <p:sp>
+        <p:nvSpPr>
+          <p:cNvPr id="11" name="모서리가 둥근 직사각형 10"/>
+          <p:cNvSpPr/>
+          <p:nvPr/>
+        </p:nvSpPr>
+        <p:spPr>
+          <a:xfrm>
+            <a:off x="1497932" y="4810660"/>
+            <a:ext cx="1534026" cy="296781"/>
+          </a:xfrm>
+          <a:prstGeom prst="roundRect">
+            <a:avLst/>
+          </a:prstGeom>
+          <a:noFill/>
+          <a:ln w="28575">
+            <a:solidFill>
+              <a:schemeClr val="accent2"/>
+            </a:solidFill>
+          </a:ln>
+        </p:spPr>
+        <p:style>
+          <a:lnRef idx="2">
+            <a:schemeClr val="accent1">
+              <a:shade val="50000"/>
+            </a:schemeClr>
+          </a:lnRef>
+          <a:fillRef idx="1">
+            <a:schemeClr val="accent1"/>
+          </a:fillRef>
+          <a:effectRef idx="0">
+            <a:schemeClr val="accent1"/>
+          </a:effectRef>
+          <a:fontRef idx="minor">
+            <a:schemeClr val="lt1"/>
+          </a:fontRef>
+        </p:style>
+        <p:txBody>
+          <a:bodyPr rtlCol="0" anchor="ctr"/>
+          <a:lstStyle/>
+          <a:p>
+            <a:pPr algn="ctr"/>
+            <a:endParaRPr lang="ko-KR" altLang="en-US"/>
+          </a:p>
+        </p:txBody>
+      </p:sp>
+      <p:cxnSp>
+        <p:nvCxnSpPr>
+          <p:cNvPr id="12" name="직선 화살표 연결선 11"/>
+          <p:cNvCxnSpPr/>
+          <p:nvPr/>
+        </p:nvCxnSpPr>
+        <p:spPr>
+          <a:xfrm>
+            <a:off x="1040732" y="2346157"/>
+            <a:ext cx="457200" cy="2346159"/>
+          </a:xfrm>
+          <a:prstGeom prst="straightConnector1">
+            <a:avLst/>
+          </a:prstGeom>
+          <a:ln w="28575">
+            <a:solidFill>
+              <a:schemeClr val="accent2"/>
+            </a:solidFill>
+            <a:tailEnd type="triangle"/>
+          </a:ln>
+        </p:spPr>
+        <p:style>
+          <a:lnRef idx="1">
+            <a:schemeClr val="accent1"/>
+          </a:lnRef>
+          <a:fillRef idx="0">
+            <a:schemeClr val="accent1"/>
+          </a:fillRef>
+          <a:effectRef idx="0">
+            <a:schemeClr val="accent1"/>
+          </a:effectRef>
+          <a:fontRef idx="minor">
+            <a:schemeClr val="tx1"/>
+          </a:fontRef>
+        </p:style>
+      </p:cxnSp>
+      <p:cxnSp>
+        <p:nvCxnSpPr>
+          <p:cNvPr id="14" name="직선 화살표 연결선 13"/>
+          <p:cNvCxnSpPr/>
+          <p:nvPr/>
+        </p:nvCxnSpPr>
+        <p:spPr>
+          <a:xfrm flipV="1">
+            <a:off x="3038536" y="1852951"/>
+            <a:ext cx="3266011" cy="3106100"/>
+          </a:xfrm>
+          <a:prstGeom prst="straightConnector1">
+            <a:avLst/>
+          </a:prstGeom>
+          <a:ln w="28575">
+            <a:solidFill>
+              <a:schemeClr val="accent2"/>
+            </a:solidFill>
+            <a:tailEnd type="triangle"/>
+          </a:ln>
+        </p:spPr>
+        <p:style>
+          <a:lnRef idx="1">
+            <a:schemeClr val="accent1"/>
+          </a:lnRef>
+          <a:fillRef idx="0">
+            <a:schemeClr val="accent1"/>
+          </a:fillRef>
+          <a:effectRef idx="0">
+            <a:schemeClr val="accent1"/>
+          </a:effectRef>
+          <a:fontRef idx="minor">
+            <a:schemeClr val="tx1"/>
+          </a:fontRef>
+        </p:style>
+      </p:cxnSp>
+      <p:sp>
+        <p:nvSpPr>
+          <p:cNvPr id="16" name="모서리가 둥근 직사각형 15"/>
+          <p:cNvSpPr/>
+          <p:nvPr/>
+        </p:nvSpPr>
+        <p:spPr>
+          <a:xfrm>
+            <a:off x="5778286" y="2841549"/>
+            <a:ext cx="2222713" cy="1176998"/>
+          </a:xfrm>
+          <a:prstGeom prst="roundRect">
+            <a:avLst/>
+          </a:prstGeom>
+          <a:noFill/>
+          <a:ln w="28575">
+            <a:solidFill>
+              <a:schemeClr val="accent2"/>
+            </a:solidFill>
+          </a:ln>
+        </p:spPr>
+        <p:style>
+          <a:lnRef idx="2">
+            <a:schemeClr val="accent1">
+              <a:shade val="50000"/>
+            </a:schemeClr>
+          </a:lnRef>
+          <a:fillRef idx="1">
+            <a:schemeClr val="accent1"/>
+          </a:fillRef>
+          <a:effectRef idx="0">
+            <a:schemeClr val="accent1"/>
+          </a:effectRef>
+          <a:fontRef idx="minor">
+            <a:schemeClr val="lt1"/>
+          </a:fontRef>
+        </p:style>
+        <p:txBody>
+          <a:bodyPr rtlCol="0" anchor="ctr"/>
+          <a:lstStyle/>
+          <a:p>
+            <a:pPr algn="ctr"/>
+            <a:endParaRPr lang="ko-KR" altLang="en-US"/>
+          </a:p>
+        </p:txBody>
+      </p:sp>
     </p:spTree>
     <p:extLst>
       <p:ext uri="{BB962C8B-B14F-4D97-AF65-F5344CB8AC3E}">
-        <p14:creationId xmlns:p14="http://schemas.microsoft.com/office/powerpoint/2010/main" val="547818566"/>
+        <p14:creationId xmlns:p14="http://schemas.microsoft.com/office/powerpoint/2010/main" val="1728681140"/>
       </p:ext>
     </p:extLst>
   </p:cSld>
@@ -4140,40 +5913,150 @@
           </a:prstGeom>
         </p:spPr>
       </p:pic>
+      <p:sp>
+        <p:nvSpPr>
+          <p:cNvPr id="3" name="TextBox 2"/>
+          <p:cNvSpPr txBox="1"/>
+          <p:nvPr/>
+        </p:nvSpPr>
+        <p:spPr>
+          <a:xfrm>
+            <a:off x="4857749" y="404059"/>
+            <a:ext cx="6946232" cy="2169825"/>
+          </a:xfrm>
+          <a:prstGeom prst="rect">
+            <a:avLst/>
+          </a:prstGeom>
+          <a:noFill/>
+        </p:spPr>
+        <p:txBody>
+          <a:bodyPr wrap="square" rtlCol="0">
+            <a:spAutoFit/>
+          </a:bodyPr>
+          <a:lstStyle/>
+          <a:p>
+            <a:pPr marL="285750" indent="-285750">
+              <a:lnSpc>
+                <a:spcPct val="150000"/>
+              </a:lnSpc>
+              <a:buFont typeface="Arial" panose="020B0604020202020204" pitchFamily="34" charset="0"/>
+              <a:buChar char="•"/>
+            </a:pPr>
+            <a:r>
+              <a:rPr lang="ko-KR" altLang="en-US" dirty="0" smtClean="0">
+                <a:latin typeface="+mn-ea"/>
+              </a:rPr>
+              <a:t>경로를 타고 들어가서 확인 할 수 있는 </a:t>
+            </a:r>
+            <a:r>
+              <a:rPr lang="en-US" altLang="ko-KR" dirty="0" smtClean="0">
+                <a:latin typeface="+mn-ea"/>
+              </a:rPr>
+              <a:t>Test </a:t>
+            </a:r>
+            <a:r>
+              <a:rPr lang="ko-KR" altLang="en-US" dirty="0" smtClean="0">
+                <a:latin typeface="+mn-ea"/>
+              </a:rPr>
+              <a:t>통과 </a:t>
+            </a:r>
+            <a:r>
+              <a:rPr lang="ko-KR" altLang="en-US" dirty="0" err="1" smtClean="0">
+                <a:latin typeface="+mn-ea"/>
+              </a:rPr>
+              <a:t>메서드</a:t>
+            </a:r>
+            <a:r>
+              <a:rPr lang="ko-KR" altLang="en-US" dirty="0">
+                <a:latin typeface="+mn-ea"/>
+              </a:rPr>
+              <a:t> </a:t>
+            </a:r>
+            <a:r>
+              <a:rPr lang="ko-KR" altLang="en-US" dirty="0" smtClean="0">
+                <a:latin typeface="+mn-ea"/>
+              </a:rPr>
+              <a:t>모습</a:t>
+            </a:r>
+            <a:endParaRPr lang="en-US" altLang="ko-KR" dirty="0" smtClean="0">
+              <a:latin typeface="+mn-ea"/>
+            </a:endParaRPr>
+          </a:p>
+          <a:p>
+            <a:pPr marL="285750" indent="-285750">
+              <a:lnSpc>
+                <a:spcPct val="150000"/>
+              </a:lnSpc>
+              <a:buFont typeface="Arial" panose="020B0604020202020204" pitchFamily="34" charset="0"/>
+              <a:buChar char="•"/>
+            </a:pPr>
+            <a:endParaRPr lang="en-US" altLang="ko-KR" dirty="0">
+              <a:latin typeface="+mn-ea"/>
+            </a:endParaRPr>
+          </a:p>
+          <a:p>
+            <a:pPr marL="285750" indent="-285750">
+              <a:lnSpc>
+                <a:spcPct val="150000"/>
+              </a:lnSpc>
+              <a:buFont typeface="Arial" panose="020B0604020202020204" pitchFamily="34" charset="0"/>
+              <a:buChar char="•"/>
+            </a:pPr>
+            <a:r>
+              <a:rPr lang="en-US" altLang="ko-KR" dirty="0" smtClean="0">
+                <a:latin typeface="+mn-ea"/>
+              </a:rPr>
+              <a:t>sample1, sample2, sample3, mapper, </a:t>
+            </a:r>
+            <a:r>
+              <a:rPr lang="en-US" altLang="ko-KR" dirty="0" err="1" smtClean="0">
+                <a:latin typeface="+mn-ea"/>
+              </a:rPr>
+              <a:t>findAllByCondition</a:t>
+            </a:r>
+            <a:r>
+              <a:rPr lang="en-US" altLang="ko-KR" dirty="0" smtClean="0">
+                <a:latin typeface="+mn-ea"/>
+              </a:rPr>
+              <a:t> </a:t>
+            </a:r>
+          </a:p>
+          <a:p>
+            <a:pPr marL="285750" indent="-285750">
+              <a:lnSpc>
+                <a:spcPct val="150000"/>
+              </a:lnSpc>
+              <a:buFont typeface="Arial" panose="020B0604020202020204" pitchFamily="34" charset="0"/>
+              <a:buChar char="•"/>
+            </a:pPr>
+            <a:endParaRPr lang="en-US" altLang="ko-KR" dirty="0">
+              <a:latin typeface="+mn-ea"/>
+            </a:endParaRPr>
+          </a:p>
+          <a:p>
+            <a:pPr marL="285750" indent="-285750">
+              <a:lnSpc>
+                <a:spcPct val="150000"/>
+              </a:lnSpc>
+              <a:buFont typeface="Arial" panose="020B0604020202020204" pitchFamily="34" charset="0"/>
+              <a:buChar char="•"/>
+            </a:pPr>
+            <a:r>
+              <a:rPr lang="ko-KR" altLang="en-US" dirty="0" smtClean="0">
+                <a:latin typeface="+mn-ea"/>
+              </a:rPr>
+              <a:t>모두 확인 가능</a:t>
+            </a:r>
+            <a:endParaRPr lang="ko-KR" altLang="en-US" dirty="0">
+              <a:latin typeface="+mn-ea"/>
+            </a:endParaRPr>
+          </a:p>
+        </p:txBody>
+      </p:sp>
     </p:spTree>
     <p:extLst>
       <p:ext uri="{BB962C8B-B14F-4D97-AF65-F5344CB8AC3E}">
         <p14:creationId xmlns:p14="http://schemas.microsoft.com/office/powerpoint/2010/main" val="1300184394"/>
-      </p:ext>
-    </p:extLst>
-  </p:cSld>
-  <p:clrMapOvr>
-    <a:masterClrMapping/>
-  </p:clrMapOvr>
-</p:sld>
-</file>
-
-<file path=ppt/slides/slide9.xml><?xml version="1.0" encoding="utf-8"?>
-<p:sld xmlns:a="http://schemas.openxmlformats.org/drawingml/2006/main" xmlns:r="http://schemas.openxmlformats.org/officeDocument/2006/relationships" xmlns:p="http://schemas.openxmlformats.org/presentationml/2006/main">
-  <p:cSld>
-    <p:spTree>
-      <p:nvGrpSpPr>
-        <p:cNvPr id="1" name=""/>
-        <p:cNvGrpSpPr/>
-        <p:nvPr/>
-      </p:nvGrpSpPr>
-      <p:grpSpPr>
-        <a:xfrm>
-          <a:off x="0" y="0"/>
-          <a:ext cx="0" cy="0"/>
-          <a:chOff x="0" y="0"/>
-          <a:chExt cx="0" cy="0"/>
-        </a:xfrm>
-      </p:grpSpPr>
-    </p:spTree>
-    <p:extLst>
-      <p:ext uri="{BB962C8B-B14F-4D97-AF65-F5344CB8AC3E}">
-        <p14:creationId xmlns:p14="http://schemas.microsoft.com/office/powerpoint/2010/main" val="155696983"/>
       </p:ext>
     </p:extLst>
   </p:cSld>
